--- a/course_material/slides/002_vars_and_control.pptx
+++ b/course_material/slides/002_vars_and_control.pptx
@@ -27,6 +27,7 @@
     <p:sldId id="272" r:id="rId21"/>
     <p:sldId id="274" r:id="rId22"/>
     <p:sldId id="275" r:id="rId23"/>
+    <p:sldId id="279" r:id="rId24"/>
   </p:sldIdLst>
   <p:sldSz cx="12192000" cy="6858000"/>
   <p:notesSz cx="6858000" cy="9144000"/>
@@ -3911,7 +3912,10 @@
           <a:bodyPr/>
           <a:lstStyle/>
           <a:p>
-            <a:endParaRPr lang="en-US"/>
+            <a:r>
+              <a:rPr lang="en-US" dirty="0"/>
+              <a:t>Data Structure Use</a:t>
+            </a:r>
           </a:p>
         </p:txBody>
       </p:sp>
@@ -3931,12 +3935,75 @@
             <p:ph idx="1"/>
           </p:nvPr>
         </p:nvSpPr>
-        <p:spPr/>
+        <p:spPr>
+          <a:xfrm>
+            <a:off x="834887" y="1853754"/>
+            <a:ext cx="10952922" cy="4199727"/>
+          </a:xfrm>
+        </p:spPr>
         <p:txBody>
           <a:bodyPr/>
           <a:lstStyle/>
           <a:p>
-            <a:endParaRPr lang="en-US"/>
+            <a:r>
+              <a:rPr lang="en-US" dirty="0"/>
+              <a:t>Data structures are very common, we rarely want to hold many individual items as their own distinct variables, if there are many of something, we want it in a list or similar. </a:t>
+            </a:r>
+          </a:p>
+          <a:p>
+            <a:r>
+              <a:rPr lang="en-US" dirty="0"/>
+              <a:t>Many data structures, including a list and tuple, are </a:t>
+            </a:r>
+            <a:r>
+              <a:rPr lang="en-US" dirty="0" err="1"/>
+              <a:t>iterable</a:t>
+            </a:r>
+            <a:r>
+              <a:rPr lang="en-US" dirty="0"/>
+              <a:t>:</a:t>
+            </a:r>
+          </a:p>
+          <a:p>
+            <a:pPr lvl="1"/>
+            <a:r>
+              <a:rPr lang="en-US" dirty="0"/>
+              <a:t>Means that they can provide their items one at a time. </a:t>
+            </a:r>
+          </a:p>
+          <a:p>
+            <a:pPr lvl="1"/>
+            <a:r>
+              <a:rPr lang="en-US" dirty="0"/>
+              <a:t>Important in looping. </a:t>
+            </a:r>
+          </a:p>
+          <a:p>
+            <a:r>
+              <a:rPr lang="en-US" dirty="0"/>
+              <a:t>Data structures allow for more generic code that is more reusable:</a:t>
+            </a:r>
+          </a:p>
+          <a:p>
+            <a:pPr lvl="1"/>
+            <a:r>
+              <a:rPr lang="en-US" dirty="0"/>
+              <a:t>Things can be written to get “the next” or ”the first” item from a data structure and do something to it. </a:t>
+            </a:r>
+          </a:p>
+          <a:p>
+            <a:pPr lvl="1"/>
+            <a:r>
+              <a:rPr lang="en-US" dirty="0"/>
+              <a:t>Never need to hard code what we are grabbing, just the next in the stack… </a:t>
+            </a:r>
+          </a:p>
+          <a:p>
+            <a:pPr lvl="1"/>
+            <a:r>
+              <a:rPr lang="en-US" dirty="0"/>
+              <a:t>Add/remove are generic actions, we don’t need to care about the details – more abstraction is usually good. </a:t>
+            </a:r>
           </a:p>
         </p:txBody>
       </p:sp>
@@ -6151,6 +6218,150 @@
 </p:sld>
 </file>
 
+<file path=ppt/slides/slide23.xml><?xml version="1.0" encoding="utf-8"?>
+<p:sld xmlns:a="http://schemas.openxmlformats.org/drawingml/2006/main" xmlns:r="http://schemas.openxmlformats.org/officeDocument/2006/relationships" xmlns:p="http://schemas.openxmlformats.org/presentationml/2006/main">
+  <p:cSld>
+    <p:spTree>
+      <p:nvGrpSpPr>
+        <p:cNvPr id="1" name=""/>
+        <p:cNvGrpSpPr/>
+        <p:nvPr/>
+      </p:nvGrpSpPr>
+      <p:grpSpPr>
+        <a:xfrm>
+          <a:off x="0" y="0"/>
+          <a:ext cx="0" cy="0"/>
+          <a:chOff x="0" y="0"/>
+          <a:chExt cx="0" cy="0"/>
+        </a:xfrm>
+      </p:grpSpPr>
+      <p:sp>
+        <p:nvSpPr>
+          <p:cNvPr id="2" name="Title 1">
+            <a:extLst>
+              <a:ext uri="{FF2B5EF4-FFF2-40B4-BE49-F238E27FC236}">
+                <a16:creationId xmlns:a16="http://schemas.microsoft.com/office/drawing/2014/main" id="{277D7148-B192-A985-7DDB-774B2ED9506D}"/>
+              </a:ext>
+            </a:extLst>
+          </p:cNvPr>
+          <p:cNvSpPr>
+            <a:spLocks noGrp="1"/>
+          </p:cNvSpPr>
+          <p:nvPr>
+            <p:ph type="title"/>
+          </p:nvPr>
+        </p:nvSpPr>
+        <p:spPr/>
+        <p:txBody>
+          <a:bodyPr/>
+          <a:lstStyle/>
+          <a:p>
+            <a:r>
+              <a:rPr lang="en-US" dirty="0"/>
+              <a:t>Pseudocode and Conclusion</a:t>
+            </a:r>
+          </a:p>
+        </p:txBody>
+      </p:sp>
+      <p:sp>
+        <p:nvSpPr>
+          <p:cNvPr id="3" name="Content Placeholder 2">
+            <a:extLst>
+              <a:ext uri="{FF2B5EF4-FFF2-40B4-BE49-F238E27FC236}">
+                <a16:creationId xmlns:a16="http://schemas.microsoft.com/office/drawing/2014/main" id="{F8EB4855-6F08-74CA-B2F3-D94EE82788A5}"/>
+              </a:ext>
+            </a:extLst>
+          </p:cNvPr>
+          <p:cNvSpPr>
+            <a:spLocks noGrp="1"/>
+          </p:cNvSpPr>
+          <p:nvPr>
+            <p:ph idx="1"/>
+          </p:nvPr>
+        </p:nvSpPr>
+        <p:spPr>
+          <a:xfrm>
+            <a:off x="1451579" y="1853754"/>
+            <a:ext cx="9603275" cy="4199727"/>
+          </a:xfrm>
+        </p:spPr>
+        <p:txBody>
+          <a:bodyPr>
+            <a:normAutofit lnSpcReduction="10000"/>
+          </a:bodyPr>
+          <a:lstStyle/>
+          <a:p>
+            <a:r>
+              <a:rPr lang="en-US" dirty="0"/>
+              <a:t>As logic starts to get complex, a good idea is to think in pseudocode – of an English/programming hybrid. </a:t>
+            </a:r>
+          </a:p>
+          <a:p>
+            <a:r>
+              <a:rPr lang="en-US" dirty="0"/>
+              <a:t>Try to break down the steps of what you need to do, but ignore the syntax. </a:t>
+            </a:r>
+          </a:p>
+          <a:p>
+            <a:r>
+              <a:rPr lang="en-US" dirty="0"/>
+              <a:t>Suppose we want to return the sum of the square roots of two numbers. </a:t>
+            </a:r>
+          </a:p>
+          <a:p>
+            <a:pPr lvl="1"/>
+            <a:r>
+              <a:rPr lang="en-US" dirty="0"/>
+              <a:t>Temp 1 = root(number 1)</a:t>
+            </a:r>
+          </a:p>
+          <a:p>
+            <a:pPr lvl="1"/>
+            <a:r>
+              <a:rPr lang="en-US" dirty="0"/>
+              <a:t>Temp 2 = root(number 2)</a:t>
+            </a:r>
+          </a:p>
+          <a:p>
+            <a:pPr lvl="1"/>
+            <a:r>
+              <a:rPr lang="en-US" dirty="0"/>
+              <a:t>Result = temp 1 + temp 2</a:t>
+            </a:r>
+          </a:p>
+          <a:p>
+            <a:r>
+              <a:rPr lang="en-US" dirty="0"/>
+              <a:t>Each line is the correct step, we can then look up how to write that in code. </a:t>
+            </a:r>
+          </a:p>
+          <a:p>
+            <a:pPr lvl="1"/>
+            <a:r>
+              <a:rPr lang="en-US" dirty="0"/>
+              <a:t>Break each step down into the smallest pieces you can logically, write some “code” of what those steps are, translate this into actual real code, repeat if one step was more complex than you </a:t>
+            </a:r>
+            <a:r>
+              <a:rPr lang="en-US"/>
+              <a:t>originally thought. </a:t>
+            </a:r>
+            <a:endParaRPr lang="en-US" dirty="0"/>
+          </a:p>
+        </p:txBody>
+      </p:sp>
+    </p:spTree>
+    <p:extLst>
+      <p:ext uri="{BB962C8B-B14F-4D97-AF65-F5344CB8AC3E}">
+        <p14:creationId xmlns:p14="http://schemas.microsoft.com/office/powerpoint/2010/main" val="2261984166"/>
+      </p:ext>
+    </p:extLst>
+  </p:cSld>
+  <p:clrMapOvr>
+    <a:masterClrMapping/>
+  </p:clrMapOvr>
+</p:sld>
+</file>
+
 <file path=ppt/slides/slide3.xml><?xml version="1.0" encoding="utf-8"?>
 <p:sld xmlns:a="http://schemas.openxmlformats.org/drawingml/2006/main" xmlns:r="http://schemas.openxmlformats.org/officeDocument/2006/relationships" xmlns:p="http://schemas.openxmlformats.org/presentationml/2006/main">
   <p:cSld>
@@ -7016,7 +7227,7 @@
           <a:p>
             <a:r>
               <a:rPr lang="en-US" dirty="0"/>
-              <a:t>This is “object oriented programming” – we create objects of different types, then do things to them. </a:t>
+              <a:t>This is “object-oriented programming” – we create objects of different types, then do things to them. </a:t>
             </a:r>
           </a:p>
         </p:txBody>

--- a/course_material/slides/002_vars_and_control.pptx
+++ b/course_material/slides/002_vars_and_control.pptx
@@ -28,6 +28,7 @@
     <p:sldId id="274" r:id="rId22"/>
     <p:sldId id="275" r:id="rId23"/>
     <p:sldId id="279" r:id="rId24"/>
+    <p:sldId id="280" r:id="rId25"/>
   </p:sldIdLst>
   <p:sldSz cx="12192000" cy="6858000"/>
   <p:notesSz cx="6858000" cy="9144000"/>
@@ -6258,7 +6259,7 @@
           <a:p>
             <a:r>
               <a:rPr lang="en-US" dirty="0"/>
-              <a:t>Pseudocode and Conclusion</a:t>
+              <a:t>Pseudocode</a:t>
             </a:r>
           </a:p>
         </p:txBody>
@@ -6339,13 +6340,8 @@
             <a:pPr lvl="1"/>
             <a:r>
               <a:rPr lang="en-US" dirty="0"/>
-              <a:t>Break each step down into the smallest pieces you can logically, write some “code” of what those steps are, translate this into actual real code, repeat if one step was more complex than you </a:t>
-            </a:r>
-            <a:r>
-              <a:rPr lang="en-US"/>
-              <a:t>originally thought. </a:t>
-            </a:r>
-            <a:endParaRPr lang="en-US" dirty="0"/>
+              <a:t>Break each step down into the smallest pieces you can logically, write some “code” of what those steps are, translate this into actual real code, repeat if one step was more complex than you originally thought. </a:t>
+            </a:r>
           </a:p>
         </p:txBody>
       </p:sp>
@@ -6353,6 +6349,122 @@
     <p:extLst>
       <p:ext uri="{BB962C8B-B14F-4D97-AF65-F5344CB8AC3E}">
         <p14:creationId xmlns:p14="http://schemas.microsoft.com/office/powerpoint/2010/main" val="2261984166"/>
+      </p:ext>
+    </p:extLst>
+  </p:cSld>
+  <p:clrMapOvr>
+    <a:masterClrMapping/>
+  </p:clrMapOvr>
+</p:sld>
+</file>
+
+<file path=ppt/slides/slide24.xml><?xml version="1.0" encoding="utf-8"?>
+<p:sld xmlns:a="http://schemas.openxmlformats.org/drawingml/2006/main" xmlns:r="http://schemas.openxmlformats.org/officeDocument/2006/relationships" xmlns:p="http://schemas.openxmlformats.org/presentationml/2006/main">
+  <p:cSld>
+    <p:spTree>
+      <p:nvGrpSpPr>
+        <p:cNvPr id="1" name=""/>
+        <p:cNvGrpSpPr/>
+        <p:nvPr/>
+      </p:nvGrpSpPr>
+      <p:grpSpPr>
+        <a:xfrm>
+          <a:off x="0" y="0"/>
+          <a:ext cx="0" cy="0"/>
+          <a:chOff x="0" y="0"/>
+          <a:chExt cx="0" cy="0"/>
+        </a:xfrm>
+      </p:grpSpPr>
+      <p:sp>
+        <p:nvSpPr>
+          <p:cNvPr id="2" name="Title 1">
+            <a:extLst>
+              <a:ext uri="{FF2B5EF4-FFF2-40B4-BE49-F238E27FC236}">
+                <a16:creationId xmlns:a16="http://schemas.microsoft.com/office/drawing/2014/main" id="{DECB37A8-D32C-D951-838D-74A03957DF4E}"/>
+              </a:ext>
+            </a:extLst>
+          </p:cNvPr>
+          <p:cNvSpPr>
+            <a:spLocks noGrp="1"/>
+          </p:cNvSpPr>
+          <p:nvPr>
+            <p:ph type="title"/>
+          </p:nvPr>
+        </p:nvSpPr>
+        <p:spPr/>
+        <p:txBody>
+          <a:bodyPr/>
+          <a:lstStyle/>
+          <a:p>
+            <a:r>
+              <a:rPr lang="en-US" dirty="0"/>
+              <a:t>Conclusion</a:t>
+            </a:r>
+          </a:p>
+        </p:txBody>
+      </p:sp>
+      <p:sp>
+        <p:nvSpPr>
+          <p:cNvPr id="3" name="Content Placeholder 2">
+            <a:extLst>
+              <a:ext uri="{FF2B5EF4-FFF2-40B4-BE49-F238E27FC236}">
+                <a16:creationId xmlns:a16="http://schemas.microsoft.com/office/drawing/2014/main" id="{0A4641FA-A3DC-F93F-2F0F-1FFEB8015828}"/>
+              </a:ext>
+            </a:extLst>
+          </p:cNvPr>
+          <p:cNvSpPr>
+            <a:spLocks noGrp="1"/>
+          </p:cNvSpPr>
+          <p:nvPr>
+            <p:ph idx="1"/>
+          </p:nvPr>
+        </p:nvSpPr>
+        <p:spPr/>
+        <p:txBody>
+          <a:bodyPr/>
+          <a:lstStyle/>
+          <a:p>
+            <a:r>
+              <a:rPr lang="en-US" dirty="0"/>
+              <a:t>Conditional code is critical in allowing our programs to be smart. </a:t>
+            </a:r>
+          </a:p>
+          <a:p>
+            <a:r>
+              <a:rPr lang="en-US" dirty="0"/>
+              <a:t>If/</a:t>
+            </a:r>
+            <a:r>
+              <a:rPr lang="en-US" dirty="0" err="1"/>
+              <a:t>elif</a:t>
+            </a:r>
+            <a:r>
+              <a:rPr lang="en-US" dirty="0"/>
+              <a:t>/else provides us a lot of flexibility. </a:t>
+            </a:r>
+          </a:p>
+          <a:p>
+            <a:r>
+              <a:rPr lang="en-US" dirty="0"/>
+              <a:t>Understand Boolean logic for conditions. </a:t>
+            </a:r>
+          </a:p>
+          <a:p>
+            <a:r>
+              <a:rPr lang="en-US" dirty="0"/>
+              <a:t>Think of </a:t>
+            </a:r>
+            <a:r>
+              <a:rPr lang="en-US"/>
+              <a:t>potential spots for error. </a:t>
+            </a:r>
+          </a:p>
+        </p:txBody>
+      </p:sp>
+    </p:spTree>
+    <p:extLst>
+      <p:ext uri="{BB962C8B-B14F-4D97-AF65-F5344CB8AC3E}">
+        <p14:creationId xmlns:p14="http://schemas.microsoft.com/office/powerpoint/2010/main" val="4220674624"/>
       </p:ext>
     </p:extLst>
   </p:cSld>
